--- a/docs/Projeto Final B5 Fase 2.pptx
+++ b/docs/Projeto Final B5 Fase 2.pptx
@@ -5,7 +5,7 @@
     <p:sldMasterId id="2147483659" r:id="rId1"/>
   </p:sldMasterIdLst>
   <p:notesMasterIdLst>
-    <p:notesMasterId r:id="rId13"/>
+    <p:notesMasterId r:id="rId15"/>
   </p:notesMasterIdLst>
   <p:sldIdLst>
     <p:sldId id="256" r:id="rId2"/>
@@ -16,9 +16,11 @@
     <p:sldId id="261" r:id="rId7"/>
     <p:sldId id="262" r:id="rId8"/>
     <p:sldId id="263" r:id="rId9"/>
-    <p:sldId id="264" r:id="rId10"/>
-    <p:sldId id="265" r:id="rId11"/>
-    <p:sldId id="266" r:id="rId12"/>
+    <p:sldId id="268" r:id="rId10"/>
+    <p:sldId id="267" r:id="rId11"/>
+    <p:sldId id="264" r:id="rId12"/>
+    <p:sldId id="265" r:id="rId13"/>
+    <p:sldId id="266" r:id="rId14"/>
   </p:sldIdLst>
   <p:sldSz cx="9144000" cy="5143500" type="screen16x9"/>
   <p:notesSz cx="6858000" cy="9144000"/>
@@ -6657,6 +6659,36 @@
           </a:prstGeom>
         </p:spPr>
       </p:pic>
+      <p:pic>
+        <p:nvPicPr>
+          <p:cNvPr id="4" name="Imagem 3">
+            <a:extLst>
+              <a:ext uri="{FF2B5EF4-FFF2-40B4-BE49-F238E27FC236}">
+                <a16:creationId xmlns:a16="http://schemas.microsoft.com/office/drawing/2014/main" id="{3BF91CD2-3EB7-8A40-2845-479BC05701FB}"/>
+              </a:ext>
+            </a:extLst>
+          </p:cNvPr>
+          <p:cNvPicPr>
+            <a:picLocks noChangeAspect="1"/>
+          </p:cNvPicPr>
+          <p:nvPr/>
+        </p:nvPicPr>
+        <p:blipFill>
+          <a:blip r:embed="rId4"/>
+          <a:stretch>
+            <a:fillRect/>
+          </a:stretch>
+        </p:blipFill>
+        <p:spPr>
+          <a:xfrm>
+            <a:off x="1270000" y="1270000"/>
+            <a:ext cx="63500" cy="76200"/>
+          </a:xfrm>
+          <a:prstGeom prst="rect">
+            <a:avLst/>
+          </a:prstGeom>
+        </p:spPr>
+      </p:pic>
     </p:spTree>
   </p:cSld>
   <p:clrMapOvr>
@@ -6666,6 +6698,145 @@
 </file>
 
 <file path=ppt/slides/slide10.xml><?xml version="1.0" encoding="utf-8"?>
+<p:sld xmlns:a="http://schemas.openxmlformats.org/drawingml/2006/main" xmlns:r="http://schemas.openxmlformats.org/officeDocument/2006/relationships" xmlns:p="http://schemas.openxmlformats.org/presentationml/2006/main">
+  <p:cSld>
+    <p:spTree>
+      <p:nvGrpSpPr>
+        <p:cNvPr id="1" name=""/>
+        <p:cNvGrpSpPr/>
+        <p:nvPr/>
+      </p:nvGrpSpPr>
+      <p:grpSpPr>
+        <a:xfrm>
+          <a:off x="0" y="0"/>
+          <a:ext cx="0" cy="0"/>
+          <a:chOff x="0" y="0"/>
+          <a:chExt cx="0" cy="0"/>
+        </a:xfrm>
+      </p:grpSpPr>
+    </p:spTree>
+    <p:extLst>
+      <p:ext uri="{BB962C8B-B14F-4D97-AF65-F5344CB8AC3E}">
+        <p14:creationId xmlns:p14="http://schemas.microsoft.com/office/powerpoint/2010/main" val="1185221520"/>
+      </p:ext>
+    </p:extLst>
+  </p:cSld>
+  <p:clrMapOvr>
+    <a:masterClrMapping/>
+  </p:clrMapOvr>
+</p:sld>
+</file>
+
+<file path=ppt/slides/slide11.xml><?xml version="1.0" encoding="utf-8"?>
+<p:sld xmlns:a="http://schemas.openxmlformats.org/drawingml/2006/main" xmlns:r="http://schemas.openxmlformats.org/officeDocument/2006/relationships" xmlns:p="http://schemas.openxmlformats.org/presentationml/2006/main">
+  <p:cSld>
+    <p:spTree>
+      <p:nvGrpSpPr>
+        <p:cNvPr id="1" name="Shape 176"/>
+        <p:cNvGrpSpPr/>
+        <p:nvPr/>
+      </p:nvGrpSpPr>
+      <p:grpSpPr>
+        <a:xfrm>
+          <a:off x="0" y="0"/>
+          <a:ext cx="0" cy="0"/>
+          <a:chOff x="0" y="0"/>
+          <a:chExt cx="0" cy="0"/>
+        </a:xfrm>
+      </p:grpSpPr>
+      <p:sp>
+        <p:nvSpPr>
+          <p:cNvPr id="177" name="Google Shape;177;p21"/>
+          <p:cNvSpPr txBox="1">
+            <a:spLocks noGrp="1"/>
+          </p:cNvSpPr>
+          <p:nvPr>
+            <p:ph type="title"/>
+          </p:nvPr>
+        </p:nvSpPr>
+        <p:spPr>
+          <a:xfrm>
+            <a:off x="311700" y="445025"/>
+            <a:ext cx="8520600" cy="572700"/>
+          </a:xfrm>
+          <a:prstGeom prst="rect">
+            <a:avLst/>
+          </a:prstGeom>
+        </p:spPr>
+        <p:txBody>
+          <a:bodyPr spcFirstLastPara="1" wrap="square" lIns="91425" tIns="91425" rIns="91425" bIns="91425" anchor="t" anchorCtr="0">
+            <a:normAutofit fontScale="90000"/>
+          </a:bodyPr>
+          <a:lstStyle/>
+          <a:p>
+            <a:pPr marL="0" lvl="0" indent="0" algn="l" rtl="0">
+              <a:spcBef>
+                <a:spcPts val="0"/>
+              </a:spcBef>
+              <a:spcAft>
+                <a:spcPts val="0"/>
+              </a:spcAft>
+              <a:buNone/>
+            </a:pPr>
+            <a:r>
+              <a:rPr lang="pt-BR"/>
+              <a:t>Dados e códigos</a:t>
+            </a:r>
+            <a:endParaRPr/>
+          </a:p>
+        </p:txBody>
+      </p:sp>
+      <p:sp>
+        <p:nvSpPr>
+          <p:cNvPr id="178" name="Google Shape;178;p21"/>
+          <p:cNvSpPr txBox="1">
+            <a:spLocks noGrp="1"/>
+          </p:cNvSpPr>
+          <p:nvPr>
+            <p:ph type="body" idx="1"/>
+          </p:nvPr>
+        </p:nvSpPr>
+        <p:spPr>
+          <a:xfrm>
+            <a:off x="311700" y="1152475"/>
+            <a:ext cx="8520600" cy="3416400"/>
+          </a:xfrm>
+          <a:prstGeom prst="rect">
+            <a:avLst/>
+          </a:prstGeom>
+        </p:spPr>
+        <p:txBody>
+          <a:bodyPr spcFirstLastPara="1" wrap="square" lIns="91425" tIns="91425" rIns="91425" bIns="91425" anchor="t" anchorCtr="0">
+            <a:normAutofit/>
+          </a:bodyPr>
+          <a:lstStyle/>
+          <a:p>
+            <a:pPr marL="0" lvl="0" indent="0" algn="l" rtl="0">
+              <a:spcBef>
+                <a:spcPts val="0"/>
+              </a:spcBef>
+              <a:spcAft>
+                <a:spcPts val="1200"/>
+              </a:spcAft>
+              <a:buNone/>
+            </a:pPr>
+            <a:r>
+              <a:rPr lang="pt-BR"/>
+              <a:t>https://github.com/rprimi/colB5BERT</a:t>
+            </a:r>
+            <a:endParaRPr/>
+          </a:p>
+        </p:txBody>
+      </p:sp>
+    </p:spTree>
+  </p:cSld>
+  <p:clrMapOvr>
+    <a:masterClrMapping/>
+  </p:clrMapOvr>
+</p:sld>
+</file>
+
+<file path=ppt/slides/slide12.xml><?xml version="1.0" encoding="utf-8"?>
 <p:sld xmlns:a="http://schemas.openxmlformats.org/drawingml/2006/main" xmlns:r="http://schemas.openxmlformats.org/officeDocument/2006/relationships" xmlns:p="http://schemas.openxmlformats.org/presentationml/2006/main">
   <p:cSld>
     <p:spTree>
@@ -6889,7 +7060,7 @@
 </p:sld>
 </file>
 
-<file path=ppt/slides/slide11.xml><?xml version="1.0" encoding="utf-8"?>
+<file path=ppt/slides/slide13.xml><?xml version="1.0" encoding="utf-8"?>
 <p:sld xmlns:a="http://schemas.openxmlformats.org/drawingml/2006/main" xmlns:r="http://schemas.openxmlformats.org/officeDocument/2006/relationships" xmlns:p="http://schemas.openxmlformats.org/presentationml/2006/main">
   <p:cSld>
     <p:spTree>
@@ -12115,7 +12286,7 @@
   <p:cSld>
     <p:spTree>
       <p:nvGrpSpPr>
-        <p:cNvPr id="1" name="Shape 176"/>
+        <p:cNvPr id="1" name=""/>
         <p:cNvGrpSpPr/>
         <p:nvPr/>
       </p:nvGrpSpPr>
@@ -12129,89 +12300,39 @@
       </p:grpSpPr>
       <p:sp>
         <p:nvSpPr>
-          <p:cNvPr id="177" name="Google Shape;177;p21"/>
-          <p:cNvSpPr txBox="1">
+          <p:cNvPr id="2" name="Título 1">
+            <a:extLst>
+              <a:ext uri="{FF2B5EF4-FFF2-40B4-BE49-F238E27FC236}">
+                <a16:creationId xmlns:a16="http://schemas.microsoft.com/office/drawing/2014/main" id="{9FD4C8AC-8C51-FEDA-450F-43D8B154AE96}"/>
+              </a:ext>
+            </a:extLst>
+          </p:cNvPr>
+          <p:cNvSpPr>
             <a:spLocks noGrp="1"/>
           </p:cNvSpPr>
           <p:nvPr>
             <p:ph type="title"/>
           </p:nvPr>
         </p:nvSpPr>
-        <p:spPr>
-          <a:xfrm>
-            <a:off x="311700" y="445025"/>
-            <a:ext cx="8520600" cy="572700"/>
-          </a:xfrm>
-          <a:prstGeom prst="rect">
-            <a:avLst/>
-          </a:prstGeom>
-        </p:spPr>
+        <p:spPr/>
         <p:txBody>
-          <a:bodyPr spcFirstLastPara="1" wrap="square" lIns="91425" tIns="91425" rIns="91425" bIns="91425" anchor="t" anchorCtr="0">
-            <a:normAutofit fontScale="90000"/>
-          </a:bodyPr>
+          <a:bodyPr/>
           <a:lstStyle/>
           <a:p>
-            <a:pPr marL="0" lvl="0" indent="0" algn="l" rtl="0">
-              <a:spcBef>
-                <a:spcPts val="0"/>
-              </a:spcBef>
-              <a:spcAft>
-                <a:spcPts val="0"/>
-              </a:spcAft>
-              <a:buNone/>
-            </a:pPr>
-            <a:r>
-              <a:rPr lang="pt-BR"/>
-              <a:t>Dados e códigos</a:t>
-            </a:r>
-            <a:endParaRPr/>
-          </a:p>
-        </p:txBody>
-      </p:sp>
-      <p:sp>
-        <p:nvSpPr>
-          <p:cNvPr id="178" name="Google Shape;178;p21"/>
-          <p:cNvSpPr txBox="1">
-            <a:spLocks noGrp="1"/>
-          </p:cNvSpPr>
-          <p:nvPr>
-            <p:ph type="body" idx="1"/>
-          </p:nvPr>
-        </p:nvSpPr>
-        <p:spPr>
-          <a:xfrm>
-            <a:off x="311700" y="1152475"/>
-            <a:ext cx="8520600" cy="3416400"/>
-          </a:xfrm>
-          <a:prstGeom prst="rect">
-            <a:avLst/>
-          </a:prstGeom>
-        </p:spPr>
-        <p:txBody>
-          <a:bodyPr spcFirstLastPara="1" wrap="square" lIns="91425" tIns="91425" rIns="91425" bIns="91425" anchor="t" anchorCtr="0">
-            <a:normAutofit/>
-          </a:bodyPr>
-          <a:lstStyle/>
-          <a:p>
-            <a:pPr marL="0" lvl="0" indent="0" algn="l" rtl="0">
-              <a:spcBef>
-                <a:spcPts val="0"/>
-              </a:spcBef>
-              <a:spcAft>
-                <a:spcPts val="1200"/>
-              </a:spcAft>
-              <a:buNone/>
-            </a:pPr>
-            <a:r>
-              <a:rPr lang="pt-BR"/>
-              <a:t>https://github.com/rprimi/colB5BERT</a:t>
-            </a:r>
-            <a:endParaRPr/>
+            <a:r>
+              <a:rPr lang="pt-BR" dirty="0" err="1"/>
+              <a:t>Scoring</a:t>
+            </a:r>
+            <a:endParaRPr lang="pt-BR" dirty="0"/>
           </a:p>
         </p:txBody>
       </p:sp>
     </p:spTree>
+    <p:extLst>
+      <p:ext uri="{BB962C8B-B14F-4D97-AF65-F5344CB8AC3E}">
+        <p14:creationId xmlns:p14="http://schemas.microsoft.com/office/powerpoint/2010/main" val="1208334855"/>
+      </p:ext>
+    </p:extLst>
   </p:cSld>
   <p:clrMapOvr>
     <a:masterClrMapping/>
